--- a/Captsone Presentation.pptx
+++ b/Captsone Presentation.pptx
@@ -501,6 +501,78 @@
             <a:effectLst/>
           </c:spPr>
         </c:majorGridlines>
+        <c:title>
+          <c:tx>
+            <c:rich>
+              <a:bodyPr rot="0" spcFirstLastPara="1" vertOverflow="ellipsis" vert="horz" wrap="square" anchor="ctr" anchorCtr="1"/>
+              <a:lstStyle/>
+              <a:p>
+                <a:pPr>
+                  <a:defRPr sz="1197" b="0" i="0" u="none" strike="noStrike" kern="1200" cap="all" baseline="0">
+                    <a:solidFill>
+                      <a:schemeClr val="tx1">
+                        <a:lumMod val="65000"/>
+                        <a:lumOff val="35000"/>
+                      </a:schemeClr>
+                    </a:solidFill>
+                    <a:latin typeface="+mn-lt"/>
+                    <a:ea typeface="+mn-ea"/>
+                    <a:cs typeface="+mn-cs"/>
+                  </a:defRPr>
+                </a:pPr>
+                <a:r>
+                  <a:rPr lang="en-US" dirty="0">
+                    <a:solidFill>
+                      <a:schemeClr val="bg1"/>
+                    </a:solidFill>
+                  </a:rPr>
+                  <a:t>Months</a:t>
+                </a:r>
+                <a:r>
+                  <a:rPr lang="en-US" baseline="0" dirty="0">
+                    <a:solidFill>
+                      <a:schemeClr val="bg1"/>
+                    </a:solidFill>
+                  </a:rPr>
+                  <a:t> of the year</a:t>
+                </a:r>
+                <a:endParaRPr lang="en-US" dirty="0">
+                  <a:solidFill>
+                    <a:schemeClr val="bg1"/>
+                  </a:solidFill>
+                </a:endParaRPr>
+              </a:p>
+            </c:rich>
+          </c:tx>
+          <c:overlay val="0"/>
+          <c:spPr>
+            <a:noFill/>
+            <a:ln>
+              <a:noFill/>
+            </a:ln>
+            <a:effectLst/>
+          </c:spPr>
+          <c:txPr>
+            <a:bodyPr rot="0" spcFirstLastPara="1" vertOverflow="ellipsis" vert="horz" wrap="square" anchor="ctr" anchorCtr="1"/>
+            <a:lstStyle/>
+            <a:p>
+              <a:pPr>
+                <a:defRPr sz="1197" b="0" i="0" u="none" strike="noStrike" kern="1200" cap="all" baseline="0">
+                  <a:solidFill>
+                    <a:schemeClr val="tx1">
+                      <a:lumMod val="65000"/>
+                      <a:lumOff val="35000"/>
+                    </a:schemeClr>
+                  </a:solidFill>
+                  <a:latin typeface="+mn-lt"/>
+                  <a:ea typeface="+mn-ea"/>
+                  <a:cs typeface="+mn-cs"/>
+                </a:defRPr>
+              </a:pPr>
+              <a:endParaRPr lang="en-US"/>
+            </a:p>
+          </c:txPr>
+        </c:title>
         <c:numFmt formatCode="General" sourceLinked="1"/>
         <c:majorTickMark val="none"/>
         <c:minorTickMark val="none"/>
@@ -552,6 +624,73 @@
         </c:scaling>
         <c:delete val="0"/>
         <c:axPos val="l"/>
+        <c:title>
+          <c:tx>
+            <c:rich>
+              <a:bodyPr rot="-5400000" spcFirstLastPara="1" vertOverflow="ellipsis" vert="horz" wrap="square" anchor="ctr" anchorCtr="1"/>
+              <a:lstStyle/>
+              <a:p>
+                <a:pPr>
+                  <a:defRPr sz="1197" b="0" i="0" u="none" strike="noStrike" kern="1200" cap="all" baseline="0">
+                    <a:solidFill>
+                      <a:schemeClr val="tx1">
+                        <a:lumMod val="65000"/>
+                        <a:lumOff val="35000"/>
+                      </a:schemeClr>
+                    </a:solidFill>
+                    <a:latin typeface="+mn-lt"/>
+                    <a:ea typeface="+mn-ea"/>
+                    <a:cs typeface="+mn-cs"/>
+                  </a:defRPr>
+                </a:pPr>
+                <a:r>
+                  <a:rPr lang="en-US" dirty="0">
+                    <a:solidFill>
+                      <a:schemeClr val="bg1"/>
+                    </a:solidFill>
+                  </a:rPr>
+                  <a:t>Number</a:t>
+                </a:r>
+                <a:r>
+                  <a:rPr lang="en-US" baseline="0" dirty="0">
+                    <a:solidFill>
+                      <a:schemeClr val="bg1"/>
+                    </a:solidFill>
+                  </a:rPr>
+                  <a:t> of Rides</a:t>
+                </a:r>
+              </a:p>
+            </c:rich>
+          </c:tx>
+          <c:overlay val="0"/>
+          <c:spPr>
+            <a:noFill/>
+            <a:ln>
+              <a:noFill/>
+            </a:ln>
+            <a:effectLst/>
+          </c:spPr>
+          <c:txPr>
+            <a:bodyPr rot="-5400000" spcFirstLastPara="1" vertOverflow="ellipsis" vert="horz" wrap="square" anchor="ctr" anchorCtr="1"/>
+            <a:lstStyle/>
+            <a:p>
+              <a:pPr>
+                <a:defRPr sz="1197" b="0" i="0" u="none" strike="noStrike" kern="1200" cap="all" baseline="0">
+                  <a:solidFill>
+                    <a:schemeClr val="tx1">
+                      <a:lumMod val="65000"/>
+                      <a:lumOff val="35000"/>
+                    </a:schemeClr>
+                  </a:solidFill>
+                  <a:latin typeface="+mn-lt"/>
+                  <a:ea typeface="+mn-ea"/>
+                  <a:cs typeface="+mn-cs"/>
+                </a:defRPr>
+              </a:pPr>
+              <a:endParaRPr lang="en-US"/>
+            </a:p>
+          </c:txPr>
+        </c:title>
         <c:numFmt formatCode="General" sourceLinked="1"/>
         <c:majorTickMark val="none"/>
         <c:minorTickMark val="none"/>
@@ -2264,7 +2403,7 @@
           <a:p>
             <a:fld id="{A16DCB14-53B0-4A56-B469-21324B1F52F4}" type="datetimeFigureOut">
               <a:rPr lang="en-US" smtClean="0"/>
-              <a:t>7/29/2022</a:t>
+              <a:t>7/31/2022</a:t>
             </a:fld>
             <a:endParaRPr lang="en-US"/>
           </a:p>
@@ -2539,7 +2678,7 @@
           <a:p>
             <a:fld id="{A16DCB14-53B0-4A56-B469-21324B1F52F4}" type="datetimeFigureOut">
               <a:rPr lang="en-US" smtClean="0"/>
-              <a:t>7/29/2022</a:t>
+              <a:t>7/31/2022</a:t>
             </a:fld>
             <a:endParaRPr lang="en-US"/>
           </a:p>
@@ -2733,7 +2872,7 @@
           <a:p>
             <a:fld id="{A16DCB14-53B0-4A56-B469-21324B1F52F4}" type="datetimeFigureOut">
               <a:rPr lang="en-US" smtClean="0"/>
-              <a:t>7/29/2022</a:t>
+              <a:t>7/31/2022</a:t>
             </a:fld>
             <a:endParaRPr lang="en-US"/>
           </a:p>
@@ -3006,7 +3145,7 @@
           <a:p>
             <a:fld id="{A16DCB14-53B0-4A56-B469-21324B1F52F4}" type="datetimeFigureOut">
               <a:rPr lang="en-US" smtClean="0"/>
-              <a:t>7/29/2022</a:t>
+              <a:t>7/31/2022</a:t>
             </a:fld>
             <a:endParaRPr lang="en-US"/>
           </a:p>
@@ -3347,7 +3486,7 @@
           <a:p>
             <a:fld id="{A16DCB14-53B0-4A56-B469-21324B1F52F4}" type="datetimeFigureOut">
               <a:rPr lang="en-US" smtClean="0"/>
-              <a:t>7/29/2022</a:t>
+              <a:t>7/31/2022</a:t>
             </a:fld>
             <a:endParaRPr lang="en-US"/>
           </a:p>
@@ -3970,7 +4109,7 @@
           <a:p>
             <a:fld id="{A16DCB14-53B0-4A56-B469-21324B1F52F4}" type="datetimeFigureOut">
               <a:rPr lang="en-US" smtClean="0"/>
-              <a:t>7/29/2022</a:t>
+              <a:t>7/31/2022</a:t>
             </a:fld>
             <a:endParaRPr lang="en-US"/>
           </a:p>
@@ -4830,7 +4969,7 @@
           <a:p>
             <a:fld id="{A16DCB14-53B0-4A56-B469-21324B1F52F4}" type="datetimeFigureOut">
               <a:rPr lang="en-US" smtClean="0"/>
-              <a:t>7/29/2022</a:t>
+              <a:t>7/31/2022</a:t>
             </a:fld>
             <a:endParaRPr lang="en-US"/>
           </a:p>
@@ -5000,7 +5139,7 @@
           <a:p>
             <a:fld id="{A16DCB14-53B0-4A56-B469-21324B1F52F4}" type="datetimeFigureOut">
               <a:rPr lang="en-US" smtClean="0"/>
-              <a:t>7/29/2022</a:t>
+              <a:t>7/31/2022</a:t>
             </a:fld>
             <a:endParaRPr lang="en-US"/>
           </a:p>
@@ -5180,7 +5319,7 @@
           <a:p>
             <a:fld id="{A16DCB14-53B0-4A56-B469-21324B1F52F4}" type="datetimeFigureOut">
               <a:rPr lang="en-US" smtClean="0"/>
-              <a:t>7/29/2022</a:t>
+              <a:t>7/31/2022</a:t>
             </a:fld>
             <a:endParaRPr lang="en-US"/>
           </a:p>
@@ -5350,7 +5489,7 @@
           <a:p>
             <a:fld id="{A16DCB14-53B0-4A56-B469-21324B1F52F4}" type="datetimeFigureOut">
               <a:rPr lang="en-US" smtClean="0"/>
-              <a:t>7/29/2022</a:t>
+              <a:t>7/31/2022</a:t>
             </a:fld>
             <a:endParaRPr lang="en-US"/>
           </a:p>
@@ -5597,7 +5736,7 @@
           <a:p>
             <a:fld id="{A16DCB14-53B0-4A56-B469-21324B1F52F4}" type="datetimeFigureOut">
               <a:rPr lang="en-US" smtClean="0"/>
-              <a:t>7/29/2022</a:t>
+              <a:t>7/31/2022</a:t>
             </a:fld>
             <a:endParaRPr lang="en-US"/>
           </a:p>
@@ -5889,7 +6028,7 @@
           <a:p>
             <a:fld id="{A16DCB14-53B0-4A56-B469-21324B1F52F4}" type="datetimeFigureOut">
               <a:rPr lang="en-US" smtClean="0"/>
-              <a:t>7/29/2022</a:t>
+              <a:t>7/31/2022</a:t>
             </a:fld>
             <a:endParaRPr lang="en-US"/>
           </a:p>
@@ -6333,7 +6472,7 @@
           <a:p>
             <a:fld id="{A16DCB14-53B0-4A56-B469-21324B1F52F4}" type="datetimeFigureOut">
               <a:rPr lang="en-US" smtClean="0"/>
-              <a:t>7/29/2022</a:t>
+              <a:t>7/31/2022</a:t>
             </a:fld>
             <a:endParaRPr lang="en-US"/>
           </a:p>
@@ -6451,7 +6590,7 @@
           <a:p>
             <a:fld id="{A16DCB14-53B0-4A56-B469-21324B1F52F4}" type="datetimeFigureOut">
               <a:rPr lang="en-US" smtClean="0"/>
-              <a:t>7/29/2022</a:t>
+              <a:t>7/31/2022</a:t>
             </a:fld>
             <a:endParaRPr lang="en-US"/>
           </a:p>
@@ -6546,7 +6685,7 @@
           <a:p>
             <a:fld id="{A16DCB14-53B0-4A56-B469-21324B1F52F4}" type="datetimeFigureOut">
               <a:rPr lang="en-US" smtClean="0"/>
-              <a:t>7/29/2022</a:t>
+              <a:t>7/31/2022</a:t>
             </a:fld>
             <a:endParaRPr lang="en-US"/>
           </a:p>
@@ -6825,7 +6964,7 @@
           <a:p>
             <a:fld id="{A16DCB14-53B0-4A56-B469-21324B1F52F4}" type="datetimeFigureOut">
               <a:rPr lang="en-US" smtClean="0"/>
-              <a:t>7/29/2022</a:t>
+              <a:t>7/31/2022</a:t>
             </a:fld>
             <a:endParaRPr lang="en-US"/>
           </a:p>
@@ -7100,7 +7239,7 @@
           <a:p>
             <a:fld id="{A16DCB14-53B0-4A56-B469-21324B1F52F4}" type="datetimeFigureOut">
               <a:rPr lang="en-US" smtClean="0"/>
-              <a:t>7/29/2022</a:t>
+              <a:t>7/31/2022</a:t>
             </a:fld>
             <a:endParaRPr lang="en-US"/>
           </a:p>
@@ -7529,7 +7668,7 @@
           <a:p>
             <a:fld id="{A16DCB14-53B0-4A56-B469-21324B1F52F4}" type="datetimeFigureOut">
               <a:rPr lang="en-US" smtClean="0"/>
-              <a:t>7/29/2022</a:t>
+              <a:t>7/31/2022</a:t>
             </a:fld>
             <a:endParaRPr lang="en-US"/>
           </a:p>
@@ -8528,6 +8667,41 @@
           </a:graphicData>
         </a:graphic>
       </p:graphicFrame>
+      <p:sp>
+        <p:nvSpPr>
+          <p:cNvPr id="3" name="TextBox 2">
+            <a:extLst>
+              <a:ext uri="{FF2B5EF4-FFF2-40B4-BE49-F238E27FC236}">
+                <a16:creationId xmlns:a16="http://schemas.microsoft.com/office/drawing/2014/main" id="{0ABC5AC0-44D0-5E7C-87A5-502218AA9C00}"/>
+              </a:ext>
+            </a:extLst>
+          </p:cNvPr>
+          <p:cNvSpPr txBox="1"/>
+          <p:nvPr/>
+        </p:nvSpPr>
+        <p:spPr>
+          <a:xfrm>
+            <a:off x="5348472" y="6265627"/>
+            <a:ext cx="2934032" cy="369332"/>
+          </a:xfrm>
+          <a:prstGeom prst="rect">
+            <a:avLst/>
+          </a:prstGeom>
+          <a:noFill/>
+        </p:spPr>
+        <p:txBody>
+          <a:bodyPr wrap="square" rtlCol="0">
+            <a:spAutoFit/>
+          </a:bodyPr>
+          <a:lstStyle/>
+          <a:p>
+            <a:r>
+              <a:rPr lang="en-US" dirty="0"/>
+              <a:t>Total Number of Rides </a:t>
+            </a:r>
+          </a:p>
+        </p:txBody>
+      </p:sp>
     </p:spTree>
     <p:extLst>
       <p:ext uri="{BB962C8B-B14F-4D97-AF65-F5344CB8AC3E}">
@@ -8873,7 +9047,7 @@
         </p:nvSpPr>
         <p:spPr>
           <a:xfrm>
-            <a:off x="677334" y="1397263"/>
+            <a:off x="677334" y="1691461"/>
             <a:ext cx="4872675" cy="4598020"/>
           </a:xfrm>
         </p:spPr>
@@ -9540,13 +9714,13 @@
           <p:nvPr>
             <p:extLst>
               <p:ext uri="{D42A27DB-BD31-4B8C-83A1-F6EECF244321}">
-                <p14:modId xmlns:p14="http://schemas.microsoft.com/office/powerpoint/2010/main" val="1715032372"/>
+                <p14:modId xmlns:p14="http://schemas.microsoft.com/office/powerpoint/2010/main" val="3544498232"/>
               </p:ext>
             </p:extLst>
           </p:nvPr>
         </p:nvGraphicFramePr>
         <p:xfrm>
-          <a:off x="5136542" y="1224502"/>
+          <a:off x="5383033" y="1224502"/>
           <a:ext cx="6456460" cy="4587902"/>
         </p:xfrm>
         <a:graphic>

--- a/Captsone Presentation.pptx
+++ b/Captsone Presentation.pptx
@@ -8251,7 +8251,7 @@
         </p:nvSpPr>
         <p:spPr>
           <a:xfrm>
-            <a:off x="1154955" y="4861750"/>
+            <a:off x="1154955" y="5068484"/>
             <a:ext cx="7766936" cy="1096899"/>
           </a:xfrm>
         </p:spPr>
@@ -8837,6 +8837,114 @@
           </a:p>
         </p:txBody>
       </p:sp>
+      <p:pic>
+        <p:nvPicPr>
+          <p:cNvPr id="5" name="Picture 4">
+            <a:extLst>
+              <a:ext uri="{FF2B5EF4-FFF2-40B4-BE49-F238E27FC236}">
+                <a16:creationId xmlns:a16="http://schemas.microsoft.com/office/drawing/2014/main" id="{CBDA2FF2-7716-D4F2-5D16-A9164253C267}"/>
+              </a:ext>
+            </a:extLst>
+          </p:cNvPr>
+          <p:cNvPicPr>
+            <a:picLocks noChangeAspect="1"/>
+          </p:cNvPicPr>
+          <p:nvPr/>
+        </p:nvPicPr>
+        <p:blipFill>
+          <a:blip r:embed="rId2">
+            <a:extLst>
+              <a:ext uri="{28A0092B-C50C-407E-A947-70E740481C1C}">
+                <a14:useLocalDpi xmlns:a14="http://schemas.microsoft.com/office/drawing/2010/main" val="0"/>
+              </a:ext>
+            </a:extLst>
+          </a:blip>
+          <a:stretch>
+            <a:fillRect/>
+          </a:stretch>
+        </p:blipFill>
+        <p:spPr>
+          <a:xfrm>
+            <a:off x="7837088" y="1600289"/>
+            <a:ext cx="1288113" cy="1288113"/>
+          </a:xfrm>
+          <a:prstGeom prst="rect">
+            <a:avLst/>
+          </a:prstGeom>
+        </p:spPr>
+      </p:pic>
+      <p:pic>
+        <p:nvPicPr>
+          <p:cNvPr id="7" name="Picture 6">
+            <a:extLst>
+              <a:ext uri="{FF2B5EF4-FFF2-40B4-BE49-F238E27FC236}">
+                <a16:creationId xmlns:a16="http://schemas.microsoft.com/office/drawing/2014/main" id="{FB346CB1-BE8E-5826-DD67-E83456FD76A8}"/>
+              </a:ext>
+            </a:extLst>
+          </p:cNvPr>
+          <p:cNvPicPr>
+            <a:picLocks noChangeAspect="1"/>
+          </p:cNvPicPr>
+          <p:nvPr/>
+        </p:nvPicPr>
+        <p:blipFill>
+          <a:blip r:embed="rId3">
+            <a:extLst>
+              <a:ext uri="{28A0092B-C50C-407E-A947-70E740481C1C}">
+                <a14:useLocalDpi xmlns:a14="http://schemas.microsoft.com/office/drawing/2010/main" val="0"/>
+              </a:ext>
+            </a:extLst>
+          </a:blip>
+          <a:stretch>
+            <a:fillRect/>
+          </a:stretch>
+        </p:blipFill>
+        <p:spPr>
+          <a:xfrm>
+            <a:off x="5857215" y="2789692"/>
+            <a:ext cx="1413943" cy="1373588"/>
+          </a:xfrm>
+          <a:prstGeom prst="rect">
+            <a:avLst/>
+          </a:prstGeom>
+        </p:spPr>
+      </p:pic>
+      <p:pic>
+        <p:nvPicPr>
+          <p:cNvPr id="9" name="Picture 8">
+            <a:extLst>
+              <a:ext uri="{FF2B5EF4-FFF2-40B4-BE49-F238E27FC236}">
+                <a16:creationId xmlns:a16="http://schemas.microsoft.com/office/drawing/2014/main" id="{5B1C376E-00AE-F832-2DEB-8F68AEC02E66}"/>
+              </a:ext>
+            </a:extLst>
+          </p:cNvPr>
+          <p:cNvPicPr>
+            <a:picLocks noChangeAspect="1"/>
+          </p:cNvPicPr>
+          <p:nvPr/>
+        </p:nvPicPr>
+        <p:blipFill>
+          <a:blip r:embed="rId4">
+            <a:extLst>
+              <a:ext uri="{28A0092B-C50C-407E-A947-70E740481C1C}">
+                <a14:useLocalDpi xmlns:a14="http://schemas.microsoft.com/office/drawing/2010/main" val="0"/>
+              </a:ext>
+            </a:extLst>
+          </a:blip>
+          <a:stretch>
+            <a:fillRect/>
+          </a:stretch>
+        </p:blipFill>
+        <p:spPr>
+          <a:xfrm>
+            <a:off x="7953534" y="3861429"/>
+            <a:ext cx="1413943" cy="1413943"/>
+          </a:xfrm>
+          <a:prstGeom prst="rect">
+            <a:avLst/>
+          </a:prstGeom>
+        </p:spPr>
+      </p:pic>
     </p:spTree>
     <p:extLst>
       <p:ext uri="{BB962C8B-B14F-4D97-AF65-F5344CB8AC3E}">
